--- a/DS_Mon_Wed_2019/DS-Day-07 R.pptx
+++ b/DS_Mon_Wed_2019/DS-Day-07 R.pptx
@@ -201,7 +201,7 @@
           <a:p>
             <a:fld id="{22783AA6-C1EF-448D-A48A-EF30DCBEFCCC}" type="datetimeFigureOut">
               <a:rPr lang="en-US" smtClean="0"/>
-              <a:t>10/8/19</a:t>
+              <a:t>10/9/19</a:t>
             </a:fld>
             <a:endParaRPr lang="en-US"/>
           </a:p>
@@ -1019,7 +1019,7 @@
           <a:p>
             <a:fld id="{C14F4D0B-68E4-4C14-BD4D-319F9BD213A3}" type="datetimeFigureOut">
               <a:rPr lang="ru-RU" smtClean="0"/>
-              <a:t>08.10.2019</a:t>
+              <a:t>09.10.2019</a:t>
             </a:fld>
             <a:endParaRPr lang="ru-RU"/>
           </a:p>
@@ -1189,7 +1189,7 @@
           <a:p>
             <a:fld id="{C14F4D0B-68E4-4C14-BD4D-319F9BD213A3}" type="datetimeFigureOut">
               <a:rPr lang="ru-RU" smtClean="0"/>
-              <a:t>08.10.2019</a:t>
+              <a:t>09.10.2019</a:t>
             </a:fld>
             <a:endParaRPr lang="ru-RU"/>
           </a:p>
@@ -1369,7 +1369,7 @@
           <a:p>
             <a:fld id="{C14F4D0B-68E4-4C14-BD4D-319F9BD213A3}" type="datetimeFigureOut">
               <a:rPr lang="ru-RU" smtClean="0"/>
-              <a:t>08.10.2019</a:t>
+              <a:t>09.10.2019</a:t>
             </a:fld>
             <a:endParaRPr lang="ru-RU"/>
           </a:p>
@@ -1539,7 +1539,7 @@
           <a:p>
             <a:fld id="{C14F4D0B-68E4-4C14-BD4D-319F9BD213A3}" type="datetimeFigureOut">
               <a:rPr lang="ru-RU" smtClean="0"/>
-              <a:t>08.10.2019</a:t>
+              <a:t>09.10.2019</a:t>
             </a:fld>
             <a:endParaRPr lang="ru-RU"/>
           </a:p>
@@ -1790,7 +1790,7 @@
           <a:p>
             <a:fld id="{C14F4D0B-68E4-4C14-BD4D-319F9BD213A3}" type="datetimeFigureOut">
               <a:rPr lang="ru-RU" smtClean="0"/>
-              <a:t>08.10.2019</a:t>
+              <a:t>09.10.2019</a:t>
             </a:fld>
             <a:endParaRPr lang="ru-RU"/>
           </a:p>
@@ -2022,7 +2022,7 @@
           <a:p>
             <a:fld id="{C14F4D0B-68E4-4C14-BD4D-319F9BD213A3}" type="datetimeFigureOut">
               <a:rPr lang="ru-RU" smtClean="0"/>
-              <a:t>08.10.2019</a:t>
+              <a:t>09.10.2019</a:t>
             </a:fld>
             <a:endParaRPr lang="ru-RU"/>
           </a:p>
@@ -2369,7 +2369,7 @@
           <a:p>
             <a:fld id="{C14F4D0B-68E4-4C14-BD4D-319F9BD213A3}" type="datetimeFigureOut">
               <a:rPr lang="ru-RU" smtClean="0"/>
-              <a:t>08.10.2019</a:t>
+              <a:t>09.10.2019</a:t>
             </a:fld>
             <a:endParaRPr lang="ru-RU"/>
           </a:p>
@@ -2487,7 +2487,7 @@
           <a:p>
             <a:fld id="{C14F4D0B-68E4-4C14-BD4D-319F9BD213A3}" type="datetimeFigureOut">
               <a:rPr lang="ru-RU" smtClean="0"/>
-              <a:t>08.10.2019</a:t>
+              <a:t>09.10.2019</a:t>
             </a:fld>
             <a:endParaRPr lang="ru-RU"/>
           </a:p>
@@ -2605,7 +2605,7 @@
           <a:p>
             <a:fld id="{C14F4D0B-68E4-4C14-BD4D-319F9BD213A3}" type="datetimeFigureOut">
               <a:rPr lang="ru-RU" smtClean="0"/>
-              <a:t>08.10.2019</a:t>
+              <a:t>09.10.2019</a:t>
             </a:fld>
             <a:endParaRPr lang="ru-RU"/>
           </a:p>
@@ -2889,7 +2889,7 @@
           <a:p>
             <a:fld id="{C14F4D0B-68E4-4C14-BD4D-319F9BD213A3}" type="datetimeFigureOut">
               <a:rPr lang="ru-RU" smtClean="0"/>
-              <a:t>08.10.2019</a:t>
+              <a:t>09.10.2019</a:t>
             </a:fld>
             <a:endParaRPr lang="ru-RU"/>
           </a:p>
@@ -3153,7 +3153,7 @@
           <a:p>
             <a:fld id="{C14F4D0B-68E4-4C14-BD4D-319F9BD213A3}" type="datetimeFigureOut">
               <a:rPr lang="ru-RU" smtClean="0"/>
-              <a:t>08.10.2019</a:t>
+              <a:t>09.10.2019</a:t>
             </a:fld>
             <a:endParaRPr lang="ru-RU"/>
           </a:p>
@@ -3367,7 +3367,7 @@
           <a:p>
             <a:fld id="{C14F4D0B-68E4-4C14-BD4D-319F9BD213A3}" type="datetimeFigureOut">
               <a:rPr lang="ru-RU" smtClean="0"/>
-              <a:t>08.10.2019</a:t>
+              <a:t>09.10.2019</a:t>
             </a:fld>
             <a:endParaRPr lang="ru-RU"/>
           </a:p>
